--- a/references for set/code/review 1.pptx
+++ b/references for set/code/review 1.pptx
@@ -40,7 +40,7 @@
       <p:boldItalic r:id="rId26"/>
     </p:embeddedFont>
     <p:embeddedFont>
-      <p:font typeface="Raleway" panose="020B0604020202020204" pitchFamily="2" charset="0"/>
+      <p:font typeface="Raleway" pitchFamily="2" charset="0"/>
       <p:regular r:id="rId27"/>
       <p:bold r:id="rId28"/>
       <p:italic r:id="rId29"/>
@@ -980,7 +980,7 @@
         </p:nvSpPr>
         <p:spPr>
           <a:xfrm>
-            <a:off x="381300" y="685800"/>
+            <a:off x="381000" y="685800"/>
             <a:ext cx="6096000" cy="3429000"/>
           </a:xfrm>
           <a:custGeom>
@@ -1396,7 +1396,7 @@
         </p:nvSpPr>
         <p:spPr>
           <a:xfrm>
-            <a:off x="381300" y="685800"/>
+            <a:off x="381000" y="685800"/>
             <a:ext cx="6096000" cy="3429000"/>
           </a:xfrm>
           <a:custGeom>
@@ -1916,7 +1916,7 @@
         </p:nvSpPr>
         <p:spPr>
           <a:xfrm>
-            <a:off x="381300" y="685800"/>
+            <a:off x="381000" y="685800"/>
             <a:ext cx="6096000" cy="3429000"/>
           </a:xfrm>
           <a:custGeom>
@@ -2228,7 +2228,7 @@
         </p:nvSpPr>
         <p:spPr>
           <a:xfrm>
-            <a:off x="381300" y="685800"/>
+            <a:off x="381000" y="685800"/>
             <a:ext cx="6096000" cy="3429000"/>
           </a:xfrm>
           <a:custGeom>
@@ -2332,7 +2332,7 @@
         </p:nvSpPr>
         <p:spPr>
           <a:xfrm>
-            <a:off x="381300" y="685800"/>
+            <a:off x="381000" y="685800"/>
             <a:ext cx="6096000" cy="3429000"/>
           </a:xfrm>
           <a:custGeom>
@@ -2748,7 +2748,7 @@
         </p:nvSpPr>
         <p:spPr>
           <a:xfrm>
-            <a:off x="381300" y="685800"/>
+            <a:off x="381000" y="685800"/>
             <a:ext cx="6096000" cy="3429000"/>
           </a:xfrm>
           <a:custGeom>
@@ -9212,7 +9212,7 @@
         </p:nvSpPr>
         <p:spPr>
           <a:xfrm>
-            <a:off x="177450" y="3803950"/>
+            <a:off x="94405" y="469492"/>
             <a:ext cx="8789100" cy="706200"/>
           </a:xfrm>
           <a:prstGeom prst="rect">
@@ -9221,7 +9221,7 @@
         </p:spPr>
         <p:txBody>
           <a:bodyPr spcFirstLastPara="1" wrap="square" lIns="91425" tIns="91425" rIns="91425" bIns="91425" anchor="t" anchorCtr="0">
-            <a:normAutofit/>
+            <a:noAutofit/>
           </a:bodyPr>
           <a:lstStyle/>
           <a:p>
@@ -9235,10 +9235,18 @@
               <a:buNone/>
             </a:pPr>
             <a:r>
-              <a:rPr lang="en"/>
+              <a:rPr lang="en" sz="2300" b="1" dirty="0">
+                <a:solidFill>
+                  <a:schemeClr val="bg2"/>
+                </a:solidFill>
+              </a:rPr>
               <a:t>Employee Attrition Prediction Using Machine Learning Algorithms</a:t>
             </a:r>
-            <a:endParaRPr/>
+            <a:endParaRPr sz="2300" b="1" dirty="0">
+              <a:solidFill>
+                <a:schemeClr val="bg2"/>
+              </a:solidFill>
+            </a:endParaRPr>
           </a:p>
         </p:txBody>
       </p:sp>
@@ -9270,6 +9278,324 @@
           </a:ln>
         </p:spPr>
       </p:pic>
+      <p:sp>
+        <p:nvSpPr>
+          <p:cNvPr id="2" name="Google Shape;93;p14">
+            <a:extLst>
+              <a:ext uri="{FF2B5EF4-FFF2-40B4-BE49-F238E27FC236}">
+                <a16:creationId xmlns:a16="http://schemas.microsoft.com/office/drawing/2014/main" id="{3EF10F07-53F0-6B57-902F-9842B15DBFD8}"/>
+              </a:ext>
+            </a:extLst>
+          </p:cNvPr>
+          <p:cNvSpPr txBox="1">
+            <a:spLocks/>
+          </p:cNvSpPr>
+          <p:nvPr/>
+        </p:nvSpPr>
+        <p:spPr>
+          <a:xfrm>
+            <a:off x="982211" y="3660951"/>
+            <a:ext cx="7688700" cy="535200"/>
+          </a:xfrm>
+          <a:prstGeom prst="rect">
+            <a:avLst/>
+          </a:prstGeom>
+          <a:noFill/>
+          <a:ln>
+            <a:noFill/>
+          </a:ln>
+        </p:spPr>
+        <p:txBody>
+          <a:bodyPr spcFirstLastPara="1" wrap="square" lIns="91425" tIns="91425" rIns="91425" bIns="91425" anchor="t" anchorCtr="0">
+            <a:noAutofit/>
+          </a:bodyPr>
+          <a:lstStyle>
+            <a:defPPr marR="0" lvl="0" algn="l" rtl="0">
+              <a:lnSpc>
+                <a:spcPct val="100000"/>
+              </a:lnSpc>
+              <a:spcBef>
+                <a:spcPts val="0"/>
+              </a:spcBef>
+              <a:spcAft>
+                <a:spcPts val="0"/>
+              </a:spcAft>
+            </a:defPPr>
+            <a:lvl1pPr marR="0" lvl="0" algn="l" rtl="0">
+              <a:lnSpc>
+                <a:spcPct val="100000"/>
+              </a:lnSpc>
+              <a:spcBef>
+                <a:spcPts val="0"/>
+              </a:spcBef>
+              <a:spcAft>
+                <a:spcPts val="0"/>
+              </a:spcAft>
+              <a:buClr>
+                <a:schemeClr val="dk2"/>
+              </a:buClr>
+              <a:buSzPts val="4200"/>
+              <a:buFont typeface="Raleway"/>
+              <a:buNone/>
+              <a:defRPr sz="4200" b="1" i="0" u="none" strike="noStrike" cap="none">
+                <a:solidFill>
+                  <a:schemeClr val="dk2"/>
+                </a:solidFill>
+                <a:latin typeface="Raleway"/>
+                <a:ea typeface="Raleway"/>
+                <a:cs typeface="Raleway"/>
+                <a:sym typeface="Raleway"/>
+              </a:defRPr>
+            </a:lvl1pPr>
+            <a:lvl2pPr marR="0" lvl="1" algn="l" rtl="0">
+              <a:lnSpc>
+                <a:spcPct val="100000"/>
+              </a:lnSpc>
+              <a:spcBef>
+                <a:spcPts val="0"/>
+              </a:spcBef>
+              <a:spcAft>
+                <a:spcPts val="0"/>
+              </a:spcAft>
+              <a:buClr>
+                <a:schemeClr val="dk2"/>
+              </a:buClr>
+              <a:buSzPts val="4200"/>
+              <a:buFont typeface="Raleway"/>
+              <a:buNone/>
+              <a:defRPr sz="4200" b="1" i="0" u="none" strike="noStrike" cap="none">
+                <a:solidFill>
+                  <a:schemeClr val="dk2"/>
+                </a:solidFill>
+                <a:latin typeface="Raleway"/>
+                <a:ea typeface="Raleway"/>
+                <a:cs typeface="Raleway"/>
+                <a:sym typeface="Raleway"/>
+              </a:defRPr>
+            </a:lvl2pPr>
+            <a:lvl3pPr marR="0" lvl="2" algn="l" rtl="0">
+              <a:lnSpc>
+                <a:spcPct val="100000"/>
+              </a:lnSpc>
+              <a:spcBef>
+                <a:spcPts val="0"/>
+              </a:spcBef>
+              <a:spcAft>
+                <a:spcPts val="0"/>
+              </a:spcAft>
+              <a:buClr>
+                <a:schemeClr val="dk2"/>
+              </a:buClr>
+              <a:buSzPts val="4200"/>
+              <a:buFont typeface="Raleway"/>
+              <a:buNone/>
+              <a:defRPr sz="4200" b="1" i="0" u="none" strike="noStrike" cap="none">
+                <a:solidFill>
+                  <a:schemeClr val="dk2"/>
+                </a:solidFill>
+                <a:latin typeface="Raleway"/>
+                <a:ea typeface="Raleway"/>
+                <a:cs typeface="Raleway"/>
+                <a:sym typeface="Raleway"/>
+              </a:defRPr>
+            </a:lvl3pPr>
+            <a:lvl4pPr marR="0" lvl="3" algn="l" rtl="0">
+              <a:lnSpc>
+                <a:spcPct val="100000"/>
+              </a:lnSpc>
+              <a:spcBef>
+                <a:spcPts val="0"/>
+              </a:spcBef>
+              <a:spcAft>
+                <a:spcPts val="0"/>
+              </a:spcAft>
+              <a:buClr>
+                <a:schemeClr val="dk2"/>
+              </a:buClr>
+              <a:buSzPts val="4200"/>
+              <a:buFont typeface="Raleway"/>
+              <a:buNone/>
+              <a:defRPr sz="4200" b="1" i="0" u="none" strike="noStrike" cap="none">
+                <a:solidFill>
+                  <a:schemeClr val="dk2"/>
+                </a:solidFill>
+                <a:latin typeface="Raleway"/>
+                <a:ea typeface="Raleway"/>
+                <a:cs typeface="Raleway"/>
+                <a:sym typeface="Raleway"/>
+              </a:defRPr>
+            </a:lvl4pPr>
+            <a:lvl5pPr marR="0" lvl="4" algn="l" rtl="0">
+              <a:lnSpc>
+                <a:spcPct val="100000"/>
+              </a:lnSpc>
+              <a:spcBef>
+                <a:spcPts val="0"/>
+              </a:spcBef>
+              <a:spcAft>
+                <a:spcPts val="0"/>
+              </a:spcAft>
+              <a:buClr>
+                <a:schemeClr val="dk2"/>
+              </a:buClr>
+              <a:buSzPts val="4200"/>
+              <a:buFont typeface="Raleway"/>
+              <a:buNone/>
+              <a:defRPr sz="4200" b="1" i="0" u="none" strike="noStrike" cap="none">
+                <a:solidFill>
+                  <a:schemeClr val="dk2"/>
+                </a:solidFill>
+                <a:latin typeface="Raleway"/>
+                <a:ea typeface="Raleway"/>
+                <a:cs typeface="Raleway"/>
+                <a:sym typeface="Raleway"/>
+              </a:defRPr>
+            </a:lvl5pPr>
+            <a:lvl6pPr marR="0" lvl="5" algn="l" rtl="0">
+              <a:lnSpc>
+                <a:spcPct val="100000"/>
+              </a:lnSpc>
+              <a:spcBef>
+                <a:spcPts val="0"/>
+              </a:spcBef>
+              <a:spcAft>
+                <a:spcPts val="0"/>
+              </a:spcAft>
+              <a:buClr>
+                <a:schemeClr val="dk2"/>
+              </a:buClr>
+              <a:buSzPts val="4200"/>
+              <a:buFont typeface="Raleway"/>
+              <a:buNone/>
+              <a:defRPr sz="4200" b="1" i="0" u="none" strike="noStrike" cap="none">
+                <a:solidFill>
+                  <a:schemeClr val="dk2"/>
+                </a:solidFill>
+                <a:latin typeface="Raleway"/>
+                <a:ea typeface="Raleway"/>
+                <a:cs typeface="Raleway"/>
+                <a:sym typeface="Raleway"/>
+              </a:defRPr>
+            </a:lvl6pPr>
+            <a:lvl7pPr marR="0" lvl="6" algn="l" rtl="0">
+              <a:lnSpc>
+                <a:spcPct val="100000"/>
+              </a:lnSpc>
+              <a:spcBef>
+                <a:spcPts val="0"/>
+              </a:spcBef>
+              <a:spcAft>
+                <a:spcPts val="0"/>
+              </a:spcAft>
+              <a:buClr>
+                <a:schemeClr val="dk2"/>
+              </a:buClr>
+              <a:buSzPts val="4200"/>
+              <a:buFont typeface="Raleway"/>
+              <a:buNone/>
+              <a:defRPr sz="4200" b="1" i="0" u="none" strike="noStrike" cap="none">
+                <a:solidFill>
+                  <a:schemeClr val="dk2"/>
+                </a:solidFill>
+                <a:latin typeface="Raleway"/>
+                <a:ea typeface="Raleway"/>
+                <a:cs typeface="Raleway"/>
+                <a:sym typeface="Raleway"/>
+              </a:defRPr>
+            </a:lvl7pPr>
+            <a:lvl8pPr marR="0" lvl="7" algn="l" rtl="0">
+              <a:lnSpc>
+                <a:spcPct val="100000"/>
+              </a:lnSpc>
+              <a:spcBef>
+                <a:spcPts val="0"/>
+              </a:spcBef>
+              <a:spcAft>
+                <a:spcPts val="0"/>
+              </a:spcAft>
+              <a:buClr>
+                <a:schemeClr val="dk2"/>
+              </a:buClr>
+              <a:buSzPts val="4200"/>
+              <a:buFont typeface="Raleway"/>
+              <a:buNone/>
+              <a:defRPr sz="4200" b="1" i="0" u="none" strike="noStrike" cap="none">
+                <a:solidFill>
+                  <a:schemeClr val="dk2"/>
+                </a:solidFill>
+                <a:latin typeface="Raleway"/>
+                <a:ea typeface="Raleway"/>
+                <a:cs typeface="Raleway"/>
+                <a:sym typeface="Raleway"/>
+              </a:defRPr>
+            </a:lvl8pPr>
+            <a:lvl9pPr marR="0" lvl="8" algn="l" rtl="0">
+              <a:lnSpc>
+                <a:spcPct val="100000"/>
+              </a:lnSpc>
+              <a:spcBef>
+                <a:spcPts val="0"/>
+              </a:spcBef>
+              <a:spcAft>
+                <a:spcPts val="0"/>
+              </a:spcAft>
+              <a:buClr>
+                <a:schemeClr val="dk2"/>
+              </a:buClr>
+              <a:buSzPts val="4200"/>
+              <a:buFont typeface="Raleway"/>
+              <a:buNone/>
+              <a:defRPr sz="4200" b="1" i="0" u="none" strike="noStrike" cap="none">
+                <a:solidFill>
+                  <a:schemeClr val="dk2"/>
+                </a:solidFill>
+                <a:latin typeface="Raleway"/>
+                <a:ea typeface="Raleway"/>
+                <a:cs typeface="Raleway"/>
+                <a:sym typeface="Raleway"/>
+              </a:defRPr>
+            </a:lvl9pPr>
+          </a:lstStyle>
+          <a:p>
+            <a:pPr algn="ctr"/>
+            <a:r>
+              <a:rPr lang="en-IN" sz="1600" dirty="0" err="1">
+                <a:latin typeface="Arial "/>
+              </a:rPr>
+              <a:t>Mr.Rajat</a:t>
+            </a:r>
+            <a:r>
+              <a:rPr lang="en-IN" sz="1600" dirty="0">
+                <a:latin typeface="Arial "/>
+              </a:rPr>
+              <a:t> Singh	                     – 	22MCA0139</a:t>
+            </a:r>
+            <a:br>
+              <a:rPr lang="en-IN" sz="1600" dirty="0">
+                <a:latin typeface="Arial "/>
+              </a:rPr>
+            </a:br>
+            <a:r>
+              <a:rPr lang="en-IN" sz="1600" dirty="0">
+                <a:latin typeface="Arial "/>
+              </a:rPr>
+              <a:t>Mr. Hrishikesh </a:t>
+            </a:r>
+            <a:r>
+              <a:rPr lang="en-IN" sz="1600" dirty="0" err="1">
+                <a:latin typeface="Arial "/>
+              </a:rPr>
+              <a:t>Sacchidanand</a:t>
+            </a:r>
+            <a:r>
+              <a:rPr lang="en-IN" sz="1600" dirty="0">
+                <a:latin typeface="Arial "/>
+              </a:rPr>
+              <a:t>    – 	22MCA0162</a:t>
+            </a:r>
+          </a:p>
+        </p:txBody>
+      </p:sp>
     </p:spTree>
   </p:cSld>
   <p:clrMapOvr>
@@ -9411,7 +9737,7 @@
         </p:spPr>
         <p:txBody>
           <a:bodyPr spcFirstLastPara="1" wrap="square" lIns="91425" tIns="91425" rIns="91425" bIns="91425" anchor="t" anchorCtr="0">
-            <a:normAutofit lnSpcReduction="20000"/>
+            <a:normAutofit lnSpcReduction="10000"/>
           </a:bodyPr>
           <a:lstStyle/>
           <a:p>
@@ -9936,7 +10262,7 @@
         </p:spPr>
         <p:txBody>
           <a:bodyPr spcFirstLastPara="1" wrap="square" lIns="91425" tIns="91425" rIns="91425" bIns="91425" anchor="t" anchorCtr="0">
-            <a:normAutofit lnSpcReduction="10000"/>
+            <a:normAutofit/>
           </a:bodyPr>
           <a:lstStyle/>
           <a:p>
@@ -10560,10 +10886,10 @@
               <a:buNone/>
             </a:pPr>
             <a:r>
-              <a:rPr lang="en"/>
+              <a:rPr lang="en" dirty="0"/>
               <a:t>Abstract</a:t>
             </a:r>
-            <a:endParaRPr/>
+            <a:endParaRPr dirty="0"/>
           </a:p>
         </p:txBody>
       </p:sp>
@@ -10592,7 +10918,7 @@
           </a:bodyPr>
           <a:lstStyle/>
           <a:p>
-            <a:pPr marL="0" lvl="0" indent="0" algn="l" rtl="0">
+            <a:pPr marL="0" lvl="0" indent="0" algn="just" rtl="0">
               <a:lnSpc>
                 <a:spcPct val="95000"/>
               </a:lnSpc>
@@ -10606,30 +10932,102 @@
               <a:buNone/>
             </a:pPr>
             <a:r>
-              <a:rPr lang="en" sz="1302"/>
-              <a:t>Machine Learning is a branch of artificial intelligence that leverages data to imitate the pattern by which a human brain learns, in the process improving accuracy. Statistical principles are used to process data and learn from it efficiently. Machine Learning algorithms are extensively used to predict future outcomes based on past experiences that were recorded in a meticulous manner. These past experiences or data can help us to deduce preliminary insights about the data and what it represents. The current paper discusses certain Machine Learning algorithms where the prime objective is to classify the inputs into one of the two categories. The dataset in focus is the employee attrition dataset that gives various insights regarding the presumably reasons behind an employee leaving the job. The factors such as accuracy, precision score, recall score and f1_score for Random Forest, XGBoost, Adaboost, Gradient boosting and Decision Tree Classifier have been ascertained and compared. Furthermore, Hyperparameter tuning, using the ‘RandomSearchCV’ python library is also implemented on the better performing algorithms, with the goal of achieving better performance. </a:t>
+              <a:rPr lang="en" sz="1302" dirty="0"/>
+              <a:t>Machine Learning is a branch of artificial intelligence that leverages data to imitate the pattern by which a human brain learns, in the process improving accuracy. Statistical principles are used to process data and learn from it efficiently. </a:t>
             </a:r>
-            <a:endParaRPr sz="1302"/>
           </a:p>
           <a:p>
-            <a:pPr marL="0" lvl="0" indent="0" algn="l" rtl="0">
+            <a:pPr marL="0" lvl="0" indent="0" algn="just" rtl="0">
               <a:lnSpc>
                 <a:spcPct val="95000"/>
               </a:lnSpc>
               <a:spcBef>
-                <a:spcPts val="1200"/>
-              </a:spcBef>
-              <a:spcAft>
-                <a:spcPts val="1200"/>
+                <a:spcPts val="0"/>
+              </a:spcBef>
+              <a:spcAft>
+                <a:spcPts val="0"/>
               </a:spcAft>
               <a:buSzPts val="1018"/>
               <a:buNone/>
             </a:pPr>
             <a:r>
-              <a:rPr lang="en" sz="1302"/>
+              <a:rPr lang="en" sz="1302" dirty="0"/>
+              <a:t>Machine Learning algorithms are extensively used to predict future outcomes based on past experiences that were recorded in a meticulous manner. T</a:t>
+            </a:r>
+          </a:p>
+          <a:p>
+            <a:pPr marL="0" lvl="0" indent="0" algn="just" rtl="0">
+              <a:lnSpc>
+                <a:spcPct val="95000"/>
+              </a:lnSpc>
+              <a:spcBef>
+                <a:spcPts val="0"/>
+              </a:spcBef>
+              <a:spcAft>
+                <a:spcPts val="0"/>
+              </a:spcAft>
+              <a:buSzPts val="1018"/>
+              <a:buNone/>
+            </a:pPr>
+            <a:r>
+              <a:rPr lang="en" sz="1302" dirty="0"/>
+              <a:t>hese past experiences or data can help us to deduce preliminary insights about the data and what it represents. The current paper discusses certain </a:t>
+            </a:r>
+          </a:p>
+          <a:p>
+            <a:pPr marL="0" lvl="0" indent="0" algn="just" rtl="0">
+              <a:lnSpc>
+                <a:spcPct val="95000"/>
+              </a:lnSpc>
+              <a:spcBef>
+                <a:spcPts val="0"/>
+              </a:spcBef>
+              <a:spcAft>
+                <a:spcPts val="0"/>
+              </a:spcAft>
+              <a:buSzPts val="1018"/>
+              <a:buNone/>
+            </a:pPr>
+            <a:r>
+              <a:rPr lang="en" sz="1302" dirty="0"/>
+              <a:t>Machine Learning algorithms where the prime objective is to classify the inputs into one of the two categories. </a:t>
+            </a:r>
+          </a:p>
+          <a:p>
+            <a:pPr marL="0" lvl="0" indent="0" algn="just" rtl="0">
+              <a:lnSpc>
+                <a:spcPct val="95000"/>
+              </a:lnSpc>
+              <a:spcBef>
+                <a:spcPts val="0"/>
+              </a:spcBef>
+              <a:spcAft>
+                <a:spcPts val="0"/>
+              </a:spcAft>
+              <a:buSzPts val="1018"/>
+              <a:buNone/>
+            </a:pPr>
+            <a:endParaRPr lang="en" sz="1302" dirty="0"/>
+          </a:p>
+          <a:p>
+            <a:pPr marL="0" lvl="0" indent="0" algn="just" rtl="0">
+              <a:lnSpc>
+                <a:spcPct val="95000"/>
+              </a:lnSpc>
+              <a:spcBef>
+                <a:spcPts val="0"/>
+              </a:spcBef>
+              <a:spcAft>
+                <a:spcPts val="0"/>
+              </a:spcAft>
+              <a:buSzPts val="1018"/>
+              <a:buNone/>
+            </a:pPr>
+            <a:r>
+              <a:rPr lang="en" sz="1302" b="1" dirty="0"/>
               <a:t>Keywords: Machine Learning, Random Forest, XGBoost, Adaboost, Decision Tree, Gradient Boost, Hyperparameters, RandomSearchCV.</a:t>
             </a:r>
-            <a:endParaRPr sz="1302"/>
+            <a:endParaRPr sz="1302" b="1" dirty="0"/>
           </a:p>
         </p:txBody>
       </p:sp>
@@ -11773,7 +12171,7 @@
         </p:spPr>
         <p:txBody>
           <a:bodyPr spcFirstLastPara="1" wrap="square" lIns="91425" tIns="91425" rIns="91425" bIns="91425" anchor="t" anchorCtr="0">
-            <a:normAutofit lnSpcReduction="10000"/>
+            <a:normAutofit fontScale="92500" lnSpcReduction="10000"/>
           </a:bodyPr>
           <a:lstStyle/>
           <a:p>
@@ -11788,10 +12186,10 @@
               <a:buChar char="●"/>
             </a:pPr>
             <a:r>
-              <a:rPr lang="en"/>
+              <a:rPr lang="en" dirty="0"/>
               <a:t>A number of papers pertaining to this topic was reviewed. All of these papers predicted the employee attrition fairly well. Some of the methods used for prediction involved Naive bayes and others involved complex modules such as tensor flow. </a:t>
             </a:r>
-            <a:endParaRPr/>
+            <a:endParaRPr dirty="0"/>
           </a:p>
           <a:p>
             <a:pPr marL="457200" lvl="0" indent="-311150" algn="l" rtl="0">
@@ -11805,10 +12203,10 @@
               <a:buChar char="●"/>
             </a:pPr>
             <a:r>
-              <a:rPr lang="en"/>
+              <a:rPr lang="en" dirty="0"/>
               <a:t>However, a pattern was noticed in all these papers, the number of constraints used to train the model well less, making the model no very strong for complex scenarios. We have used over 30 attributes from our data set that we downloaded from kaggle.</a:t>
             </a:r>
-            <a:endParaRPr/>
+            <a:endParaRPr dirty="0"/>
           </a:p>
           <a:p>
             <a:pPr marL="457200" lvl="0" indent="-311150" algn="l" rtl="0">
@@ -11822,10 +12220,10 @@
               <a:buChar char="●"/>
             </a:pPr>
             <a:r>
-              <a:rPr lang="en"/>
+              <a:rPr lang="en" dirty="0"/>
               <a:t>To make our project unique, we added an extra step at the end of prediction. This step involves hyperparameter tuning the models and predicting again.</a:t>
             </a:r>
-            <a:endParaRPr/>
+            <a:endParaRPr dirty="0"/>
           </a:p>
           <a:p>
             <a:pPr marL="457200" lvl="0" indent="-311150" algn="l" rtl="0">
@@ -11839,10 +12237,10 @@
               <a:buChar char="●"/>
             </a:pPr>
             <a:r>
-              <a:rPr lang="en"/>
+              <a:rPr lang="en" dirty="0"/>
               <a:t>The attributes used for our research are also deeply related with the factors of an employee leaving a company which was not the case in other papers.</a:t>
             </a:r>
-            <a:endParaRPr/>
+            <a:endParaRPr dirty="0"/>
           </a:p>
         </p:txBody>
       </p:sp>
@@ -11925,7 +12323,7 @@
         </p:nvSpPr>
         <p:spPr>
           <a:xfrm>
-            <a:off x="729450" y="2176125"/>
+            <a:off x="725850" y="1853850"/>
             <a:ext cx="7688700" cy="2261100"/>
           </a:xfrm>
           <a:prstGeom prst="rect">
@@ -11951,7 +12349,7 @@
               <a:buNone/>
             </a:pPr>
             <a:r>
-              <a:rPr lang="en">
+              <a:rPr lang="en" dirty="0">
                 <a:solidFill>
                   <a:srgbClr val="202124"/>
                 </a:solidFill>
@@ -11965,7 +12363,7 @@
               </a:rPr>
               <a:t>Hyperparameters contain the data that govern the training process itself.</a:t>
             </a:r>
-            <a:endParaRPr>
+            <a:endParaRPr dirty="0">
               <a:solidFill>
                 <a:srgbClr val="202124"/>
               </a:solidFill>
@@ -11992,7 +12390,7 @@
               <a:buNone/>
             </a:pPr>
             <a:r>
-              <a:rPr lang="en">
+              <a:rPr lang="en" dirty="0">
                 <a:solidFill>
                   <a:srgbClr val="202124"/>
                 </a:solidFill>
@@ -12006,7 +12404,7 @@
               </a:rPr>
               <a:t>Your training application handles three categories of data as it trains your model:</a:t>
             </a:r>
-            <a:endParaRPr>
+            <a:endParaRPr dirty="0">
               <a:solidFill>
                 <a:srgbClr val="202124"/>
               </a:solidFill>
@@ -12038,7 +12436,7 @@
               <a:buChar char="●"/>
             </a:pPr>
             <a:r>
-              <a:rPr lang="en">
+              <a:rPr lang="en" dirty="0">
                 <a:solidFill>
                   <a:srgbClr val="202124"/>
                 </a:solidFill>
@@ -12053,7 +12451,7 @@
               <a:t>Your </a:t>
             </a:r>
             <a:r>
-              <a:rPr lang="en" i="1">
+              <a:rPr lang="en" i="1" dirty="0">
                 <a:solidFill>
                   <a:srgbClr val="202124"/>
                 </a:solidFill>
@@ -12068,7 +12466,7 @@
               <a:t>input data</a:t>
             </a:r>
             <a:r>
-              <a:rPr lang="en">
+              <a:rPr lang="en" dirty="0">
                 <a:solidFill>
                   <a:srgbClr val="202124"/>
                 </a:solidFill>
@@ -12080,9 +12478,43 @@
                 <a:cs typeface="Roboto"/>
                 <a:sym typeface="Roboto"/>
               </a:rPr>
-              <a:t> (also called training data) is a collection of individual records (instances) containing the features important to your machine learning problem. This data is used during training to configure your model to accurately make predictions about new instances of similar data. However, the values in your input data never directly become part of your model.</a:t>
+              <a:t> (also called training data) is a collection of individual records (instances) containing the features important to your machine learning problem.</a:t>
             </a:r>
-            <a:endParaRPr>
+          </a:p>
+          <a:p>
+            <a:pPr marL="457200" lvl="0" indent="-311150" algn="l" rtl="0">
+              <a:lnSpc>
+                <a:spcPct val="105000"/>
+              </a:lnSpc>
+              <a:spcBef>
+                <a:spcPts val="1200"/>
+              </a:spcBef>
+              <a:spcAft>
+                <a:spcPts val="0"/>
+              </a:spcAft>
+              <a:buClr>
+                <a:srgbClr val="202124"/>
+              </a:buClr>
+              <a:buSzPts val="1300"/>
+              <a:buFont typeface="Roboto"/>
+              <a:buChar char="●"/>
+            </a:pPr>
+            <a:r>
+              <a:rPr lang="en" dirty="0">
+                <a:solidFill>
+                  <a:srgbClr val="202124"/>
+                </a:solidFill>
+                <a:highlight>
+                  <a:srgbClr val="FFFFFF"/>
+                </a:highlight>
+                <a:latin typeface="Roboto"/>
+                <a:ea typeface="Roboto"/>
+                <a:cs typeface="Roboto"/>
+                <a:sym typeface="Roboto"/>
+              </a:rPr>
+              <a:t> This data is used during training to configure your model to accurately make predictions about new instances of similar data. However, the values in your input data never directly become part of your model.</a:t>
+            </a:r>
+            <a:endParaRPr dirty="0">
               <a:solidFill>
                 <a:srgbClr val="202124"/>
               </a:solidFill>
@@ -12114,7 +12546,7 @@
               <a:buChar char="●"/>
             </a:pPr>
             <a:r>
-              <a:rPr lang="en">
+              <a:rPr lang="en" dirty="0">
                 <a:solidFill>
                   <a:srgbClr val="202124"/>
                 </a:solidFill>
@@ -12129,7 +12561,7 @@
               <a:t>Your model's </a:t>
             </a:r>
             <a:r>
-              <a:rPr lang="en" i="1">
+              <a:rPr lang="en" i="1" dirty="0">
                 <a:solidFill>
                   <a:srgbClr val="202124"/>
                 </a:solidFill>
@@ -12144,7 +12576,7 @@
               <a:t>parameters</a:t>
             </a:r>
             <a:r>
-              <a:rPr lang="en">
+              <a:rPr lang="en" dirty="0">
                 <a:solidFill>
                   <a:srgbClr val="202124"/>
                 </a:solidFill>
@@ -12158,7 +12590,7 @@
               </a:rPr>
               <a:t> are the variables that your chosen machine learning technique uses to adjust to your data.</a:t>
             </a:r>
-            <a:endParaRPr>
+            <a:endParaRPr dirty="0">
               <a:solidFill>
                 <a:srgbClr val="202124"/>
               </a:solidFill>
@@ -12190,7 +12622,7 @@
               <a:buChar char="●"/>
             </a:pPr>
             <a:r>
-              <a:rPr lang="en">
+              <a:rPr lang="en" dirty="0">
                 <a:solidFill>
                   <a:srgbClr val="202124"/>
                 </a:solidFill>
@@ -12205,7 +12637,7 @@
               <a:t>Your </a:t>
             </a:r>
             <a:r>
-              <a:rPr lang="en" i="1">
+              <a:rPr lang="en" i="1" dirty="0">
                 <a:solidFill>
                   <a:srgbClr val="202124"/>
                 </a:solidFill>
@@ -12220,7 +12652,7 @@
               <a:t>hyperparameters</a:t>
             </a:r>
             <a:r>
-              <a:rPr lang="en">
+              <a:rPr lang="en" dirty="0">
                 <a:solidFill>
                   <a:srgbClr val="202124"/>
                 </a:solidFill>
@@ -12234,7 +12666,7 @@
               </a:rPr>
               <a:t> are the variables that govern the training process itself.</a:t>
             </a:r>
-            <a:endParaRPr>
+            <a:endParaRPr dirty="0">
               <a:solidFill>
                 <a:srgbClr val="202124"/>
               </a:solidFill>
@@ -12829,10 +13261,10 @@
               <a:buNone/>
             </a:pPr>
             <a:r>
-              <a:rPr lang="en"/>
+              <a:rPr lang="en" dirty="0"/>
               <a:t>Decision Tree</a:t>
             </a:r>
-            <a:endParaRPr/>
+            <a:endParaRPr dirty="0"/>
           </a:p>
         </p:txBody>
       </p:sp>
@@ -12857,11 +13289,11 @@
         </p:spPr>
         <p:txBody>
           <a:bodyPr spcFirstLastPara="1" wrap="square" lIns="91425" tIns="91425" rIns="91425" bIns="91425" anchor="t" anchorCtr="0">
-            <a:normAutofit fontScale="25000" lnSpcReduction="10000"/>
+            <a:normAutofit fontScale="25000" lnSpcReduction="20000"/>
           </a:bodyPr>
           <a:lstStyle/>
           <a:p>
-            <a:pPr marL="0" lvl="0" indent="0" algn="l" rtl="0">
+            <a:pPr marL="0" lvl="0" indent="0" algn="just" rtl="0">
               <a:lnSpc>
                 <a:spcPct val="105000"/>
               </a:lnSpc>
@@ -12874,7 +13306,7 @@
               <a:buNone/>
             </a:pPr>
             <a:r>
-              <a:rPr lang="en" sz="5371">
+              <a:rPr lang="en" sz="5371" dirty="0">
                 <a:solidFill>
                   <a:srgbClr val="111111"/>
                 </a:solidFill>
@@ -12885,7 +13317,7 @@
               <a:t>Decision Tree algorithm belongs to the family of supervised learning algorithms. Unlike other supervised learning algorithms, the decision tree algorithm can be used for solving </a:t>
             </a:r>
             <a:r>
-              <a:rPr lang="en" sz="5371" b="1">
+              <a:rPr lang="en" sz="5371" b="1" dirty="0">
                 <a:solidFill>
                   <a:srgbClr val="111111"/>
                 </a:solidFill>
@@ -12896,7 +13328,7 @@
               <a:t>regression and classification problems</a:t>
             </a:r>
             <a:r>
-              <a:rPr lang="en" sz="5371">
+              <a:rPr lang="en" sz="5371" dirty="0">
                 <a:solidFill>
                   <a:srgbClr val="111111"/>
                 </a:solidFill>
@@ -12906,7 +13338,7 @@
               </a:rPr>
               <a:t> too.</a:t>
             </a:r>
-            <a:endParaRPr sz="5371">
+            <a:endParaRPr sz="5371" dirty="0">
               <a:solidFill>
                 <a:srgbClr val="111111"/>
               </a:solidFill>
@@ -12916,7 +13348,7 @@
             </a:endParaRPr>
           </a:p>
           <a:p>
-            <a:pPr marL="0" lvl="0" indent="0" algn="l" rtl="0">
+            <a:pPr marL="0" lvl="0" indent="0" algn="just" rtl="0">
               <a:lnSpc>
                 <a:spcPct val="105000"/>
               </a:lnSpc>
@@ -12929,7 +13361,7 @@
               <a:buNone/>
             </a:pPr>
             <a:r>
-              <a:rPr lang="en" sz="5371">
+              <a:rPr lang="en" sz="5371" dirty="0">
                 <a:solidFill>
                   <a:srgbClr val="111111"/>
                 </a:solidFill>
@@ -12940,7 +13372,7 @@
               <a:t>The goal of using a Decision Tree is to create a training model that can use to predict the class or value of the target variable by </a:t>
             </a:r>
             <a:r>
-              <a:rPr lang="en" sz="5371" b="1">
+              <a:rPr lang="en" sz="5371" b="1" dirty="0">
                 <a:solidFill>
                   <a:srgbClr val="111111"/>
                 </a:solidFill>
@@ -12951,7 +13383,7 @@
               <a:t>learning simple decision rules</a:t>
             </a:r>
             <a:r>
-              <a:rPr lang="en" sz="5371">
+              <a:rPr lang="en" sz="5371" dirty="0">
                 <a:solidFill>
                   <a:srgbClr val="111111"/>
                 </a:solidFill>
@@ -12961,7 +13393,7 @@
               </a:rPr>
               <a:t> inferred from prior data(training data).</a:t>
             </a:r>
-            <a:endParaRPr sz="5371">
+            <a:endParaRPr sz="5371" dirty="0">
               <a:solidFill>
                 <a:srgbClr val="111111"/>
               </a:solidFill>
@@ -12971,7 +13403,7 @@
             </a:endParaRPr>
           </a:p>
           <a:p>
-            <a:pPr marL="0" lvl="0" indent="0" algn="l" rtl="0">
+            <a:pPr marL="0" lvl="0" indent="0" algn="just" rtl="0">
               <a:lnSpc>
                 <a:spcPct val="105000"/>
               </a:lnSpc>
@@ -12984,7 +13416,7 @@
               <a:buNone/>
             </a:pPr>
             <a:r>
-              <a:rPr lang="en" sz="5371">
+              <a:rPr lang="en" sz="5371" dirty="0">
                 <a:solidFill>
                   <a:srgbClr val="111111"/>
                 </a:solidFill>
@@ -12995,7 +13427,7 @@
               <a:t>In Decision Trees, for predicting a class label for a record we start from the </a:t>
             </a:r>
             <a:r>
-              <a:rPr lang="en" sz="5371" b="1">
+              <a:rPr lang="en" sz="5371" b="1" dirty="0">
                 <a:solidFill>
                   <a:srgbClr val="111111"/>
                 </a:solidFill>
@@ -13006,7 +13438,7 @@
               <a:t>root</a:t>
             </a:r>
             <a:r>
-              <a:rPr lang="en" sz="5371">
+              <a:rPr lang="en" sz="5371" dirty="0">
                 <a:solidFill>
                   <a:srgbClr val="111111"/>
                 </a:solidFill>
@@ -13016,7 +13448,7 @@
               </a:rPr>
               <a:t> of the tree. We compare the values of the root attribute with the record’s attribute. On the basis of comparison, we follow the branch corresponding to that value and jump to the next node.</a:t>
             </a:r>
-            <a:endParaRPr sz="5371">
+            <a:endParaRPr sz="5371" dirty="0">
               <a:solidFill>
                 <a:srgbClr val="111111"/>
               </a:solidFill>
@@ -13026,7 +13458,7 @@
             </a:endParaRPr>
           </a:p>
           <a:p>
-            <a:pPr marL="0" lvl="0" indent="0" algn="l" rtl="0">
+            <a:pPr marL="0" lvl="0" indent="0" algn="just" rtl="0">
               <a:lnSpc>
                 <a:spcPct val="100000"/>
               </a:lnSpc>
@@ -13038,7 +13470,7 @@
               </a:spcAft>
               <a:buNone/>
             </a:pPr>
-            <a:endParaRPr/>
+            <a:endParaRPr dirty="0"/>
           </a:p>
         </p:txBody>
       </p:sp>

--- a/references for set/code/review 1.pptx
+++ b/references for set/code/review 1.pptx
@@ -12588,7 +12588,7 @@
                 <a:cs typeface="Roboto"/>
                 <a:sym typeface="Roboto"/>
               </a:rPr>
-              <a:t> are the variables that your chosen machine learning technique uses to adjust to your data.</a:t>
+              <a:t> are the variables that your chosen and the machine learning technique uses to adjust to your data.</a:t>
             </a:r>
             <a:endParaRPr dirty="0">
               <a:solidFill>
